--- a/presentation.pptx
+++ b/presentation.pptx
@@ -14,9 +14,15 @@
     <p:sldId id="260" r:id="rId8"/>
     <p:sldId id="262" r:id="rId9"/>
     <p:sldId id="263" r:id="rId10"/>
-    <p:sldId id="269" r:id="rId11"/>
-    <p:sldId id="264" r:id="rId12"/>
-    <p:sldId id="266" r:id="rId13"/>
+    <p:sldId id="275" r:id="rId11"/>
+    <p:sldId id="270" r:id="rId12"/>
+    <p:sldId id="276" r:id="rId13"/>
+    <p:sldId id="271" r:id="rId14"/>
+    <p:sldId id="272" r:id="rId15"/>
+    <p:sldId id="269" r:id="rId16"/>
+    <p:sldId id="264" r:id="rId17"/>
+    <p:sldId id="274" r:id="rId18"/>
+    <p:sldId id="266" r:id="rId19"/>
   </p:sldIdLst>
   <p:sldSz cx="12192000" cy="6858000"/>
   <p:notesSz cx="6858000" cy="9144000"/>
@@ -115,6 +121,11 @@
       </a:defRPr>
     </a:lvl9pPr>
   </p:defaultTextStyle>
+  <p:extLst>
+    <p:ext uri="{EFAFB233-063F-42B5-8137-9DF3F51BA10A}">
+      <p15:sldGuideLst xmlns:p15="http://schemas.microsoft.com/office/powerpoint/2012/main"/>
+    </p:ext>
+  </p:extLst>
 </p:presentation>
 </file>
 
@@ -8911,7 +8922,7 @@
           <a:p>
             <a:fld id="{6AD6EE87-EBD5-4F12-A48A-63ACA297AC8F}" type="datetimeFigureOut">
               <a:rPr lang="en-US" dirty="0"/>
-              <a:t>7/25/19</a:t>
+              <a:t>7/25/2019</a:t>
             </a:fld>
             <a:endParaRPr lang="en-US" dirty="0"/>
           </a:p>
@@ -9113,7 +9124,7 @@
           <a:p>
             <a:fld id="{4CD73815-2707-4475-8F1A-B873CB631BB4}" type="datetimeFigureOut">
               <a:rPr lang="en-US" dirty="0"/>
-              <a:t>7/25/19</a:t>
+              <a:t>7/25/2019</a:t>
             </a:fld>
             <a:endParaRPr lang="en-US" dirty="0"/>
           </a:p>
@@ -9288,7 +9299,7 @@
           <a:p>
             <a:fld id="{2A4AFB99-0EAB-4182-AFF8-E214C82A68F6}" type="datetimeFigureOut">
               <a:rPr lang="en-US" dirty="0"/>
-              <a:t>7/25/19</a:t>
+              <a:t>7/25/2019</a:t>
             </a:fld>
             <a:endParaRPr lang="en-US" dirty="0"/>
           </a:p>
@@ -9488,7 +9499,7 @@
           <a:p>
             <a:fld id="{A5D3794B-289A-4A80-97D7-111025398D45}" type="datetimeFigureOut">
               <a:rPr lang="en-US" dirty="0"/>
-              <a:t>7/25/19</a:t>
+              <a:t>7/25/2019</a:t>
             </a:fld>
             <a:endParaRPr lang="en-US" dirty="0"/>
           </a:p>
@@ -18381,7 +18392,7 @@
           <a:p>
             <a:fld id="{5A61015F-7CC6-4D0A-9D87-873EA4C304CC}" type="datetimeFigureOut">
               <a:rPr lang="en-US" dirty="0"/>
-              <a:t>7/25/19</a:t>
+              <a:t>7/25/2019</a:t>
             </a:fld>
             <a:endParaRPr lang="en-US" dirty="0"/>
           </a:p>
@@ -18650,7 +18661,7 @@
           <a:p>
             <a:fld id="{93C6A301-0538-44EC-B09D-202E1042A48B}" type="datetimeFigureOut">
               <a:rPr lang="en-US" dirty="0"/>
-              <a:t>7/25/19</a:t>
+              <a:t>7/25/2019</a:t>
             </a:fld>
             <a:endParaRPr lang="en-US" dirty="0"/>
           </a:p>
@@ -19043,7 +19054,7 @@
           <a:p>
             <a:fld id="{D789574A-8875-45EF-8EA2-3CAA0F7ABC4C}" type="datetimeFigureOut">
               <a:rPr lang="en-US" dirty="0"/>
-              <a:t>7/25/19</a:t>
+              <a:t>7/25/2019</a:t>
             </a:fld>
             <a:endParaRPr lang="en-US" dirty="0"/>
           </a:p>
@@ -19156,7 +19167,7 @@
           <a:p>
             <a:fld id="{67EF4D4C-5367-4C26-9E2B-D8088D7FCA81}" type="datetimeFigureOut">
               <a:rPr lang="en-US" dirty="0"/>
-              <a:t>7/25/19</a:t>
+              <a:t>7/25/2019</a:t>
             </a:fld>
             <a:endParaRPr lang="en-US" dirty="0"/>
           </a:p>
@@ -19246,7 +19257,7 @@
           <a:p>
             <a:fld id="{56E91E96-98B0-4413-9547-46F3504108EF}" type="datetimeFigureOut">
               <a:rPr lang="en-US" dirty="0"/>
-              <a:t>7/25/19</a:t>
+              <a:t>7/25/2019</a:t>
             </a:fld>
             <a:endParaRPr lang="en-US" dirty="0"/>
           </a:p>
@@ -19531,7 +19542,7 @@
           <a:p>
             <a:fld id="{05C68B11-C5A8-448C-8CE9-B1A273C79CFC}" type="datetimeFigureOut">
               <a:rPr lang="en-US" dirty="0"/>
-              <a:t>7/25/19</a:t>
+              <a:t>7/25/2019</a:t>
             </a:fld>
             <a:endParaRPr lang="en-US" dirty="0"/>
           </a:p>
@@ -19806,7 +19817,7 @@
           <a:p>
             <a:fld id="{C7616CA0-919D-4A49-9C8A-62FDFB3A5183}" type="datetimeFigureOut">
               <a:rPr lang="en-US" dirty="0"/>
-              <a:t>7/25/19</a:t>
+              <a:t>7/25/2019</a:t>
             </a:fld>
             <a:endParaRPr lang="en-US" dirty="0"/>
           </a:p>
@@ -20052,7 +20063,7 @@
             <a:fld id="{90298CD5-6C1E-4009-B41F-6DF62E31D3BE}" type="datetimeFigureOut">
               <a:rPr lang="en-US" dirty="0"/>
               <a:pPr/>
-              <a:t>7/25/19</a:t>
+              <a:t>7/25/2019</a:t>
             </a:fld>
             <a:endParaRPr lang="en-US" dirty="0"/>
           </a:p>
@@ -20645,6 +20656,523 @@
           <a:chExt cx="0" cy="0"/>
         </a:xfrm>
       </p:grpSpPr>
+      <p:pic>
+        <p:nvPicPr>
+          <p:cNvPr id="5" name="内容占位符 4">
+            <a:extLst>
+              <a:ext uri="{FF2B5EF4-FFF2-40B4-BE49-F238E27FC236}">
+                <a16:creationId xmlns:a16="http://schemas.microsoft.com/office/drawing/2014/main" id="{CC2A475C-A477-460A-BE66-F8299F9C63E7}"/>
+              </a:ext>
+            </a:extLst>
+          </p:cNvPr>
+          <p:cNvPicPr>
+            <a:picLocks noGrp="1" noChangeAspect="1"/>
+          </p:cNvPicPr>
+          <p:nvPr>
+            <p:ph idx="1"/>
+          </p:nvPr>
+        </p:nvPicPr>
+        <p:blipFill>
+          <a:blip r:embed="rId2"/>
+          <a:stretch>
+            <a:fillRect/>
+          </a:stretch>
+        </p:blipFill>
+        <p:spPr>
+          <a:xfrm>
+            <a:off x="0" y="3122310"/>
+            <a:ext cx="4833973" cy="3357587"/>
+          </a:xfrm>
+        </p:spPr>
+      </p:pic>
+      <p:pic>
+        <p:nvPicPr>
+          <p:cNvPr id="7" name="图片 6">
+            <a:extLst>
+              <a:ext uri="{FF2B5EF4-FFF2-40B4-BE49-F238E27FC236}">
+                <a16:creationId xmlns:a16="http://schemas.microsoft.com/office/drawing/2014/main" id="{70FB3923-3558-467D-B98D-AB5BD585BF5F}"/>
+              </a:ext>
+            </a:extLst>
+          </p:cNvPr>
+          <p:cNvPicPr>
+            <a:picLocks noChangeAspect="1"/>
+          </p:cNvPicPr>
+          <p:nvPr/>
+        </p:nvPicPr>
+        <p:blipFill>
+          <a:blip r:embed="rId3"/>
+          <a:stretch>
+            <a:fillRect/>
+          </a:stretch>
+        </p:blipFill>
+        <p:spPr>
+          <a:xfrm>
+            <a:off x="5929123" y="2869896"/>
+            <a:ext cx="5305464" cy="3610001"/>
+          </a:xfrm>
+          <a:prstGeom prst="rect">
+            <a:avLst/>
+          </a:prstGeom>
+        </p:spPr>
+      </p:pic>
+      <p:sp>
+        <p:nvSpPr>
+          <p:cNvPr id="8" name="文本框 7">
+            <a:extLst>
+              <a:ext uri="{FF2B5EF4-FFF2-40B4-BE49-F238E27FC236}">
+                <a16:creationId xmlns:a16="http://schemas.microsoft.com/office/drawing/2014/main" id="{6D8F9940-AB87-4CA9-87C4-936C9D595E1A}"/>
+              </a:ext>
+            </a:extLst>
+          </p:cNvPr>
+          <p:cNvSpPr txBox="1"/>
+          <p:nvPr/>
+        </p:nvSpPr>
+        <p:spPr>
+          <a:xfrm>
+            <a:off x="1336011" y="793940"/>
+            <a:ext cx="8399338" cy="861774"/>
+          </a:xfrm>
+          <a:prstGeom prst="rect">
+            <a:avLst/>
+          </a:prstGeom>
+          <a:noFill/>
+        </p:spPr>
+        <p:txBody>
+          <a:bodyPr wrap="square" rtlCol="0">
+            <a:spAutoFit/>
+          </a:bodyPr>
+          <a:lstStyle/>
+          <a:p>
+            <a:r>
+              <a:rPr kumimoji="1" lang="en-US" altLang="zh-CN" sz="5000" dirty="0"/>
+              <a:t>The data of people in hospital </a:t>
+            </a:r>
+            <a:endParaRPr lang="zh-CN" altLang="en-US" sz="5000" dirty="0"/>
+          </a:p>
+        </p:txBody>
+      </p:sp>
+    </p:spTree>
+    <p:extLst>
+      <p:ext uri="{BB962C8B-B14F-4D97-AF65-F5344CB8AC3E}">
+        <p14:creationId xmlns:p14="http://schemas.microsoft.com/office/powerpoint/2010/main" val="768035586"/>
+      </p:ext>
+    </p:extLst>
+  </p:cSld>
+  <p:clrMapOvr>
+    <a:masterClrMapping/>
+  </p:clrMapOvr>
+</p:sld>
+</file>
+
+<file path=ppt/slides/slide11.xml><?xml version="1.0" encoding="utf-8"?>
+<p:sld xmlns:a="http://schemas.openxmlformats.org/drawingml/2006/main" xmlns:r="http://schemas.openxmlformats.org/officeDocument/2006/relationships" xmlns:p="http://schemas.openxmlformats.org/presentationml/2006/main">
+  <p:cSld>
+    <p:spTree>
+      <p:nvGrpSpPr>
+        <p:cNvPr id="1" name=""/>
+        <p:cNvGrpSpPr/>
+        <p:nvPr/>
+      </p:nvGrpSpPr>
+      <p:grpSpPr>
+        <a:xfrm>
+          <a:off x="0" y="0"/>
+          <a:ext cx="0" cy="0"/>
+          <a:chOff x="0" y="0"/>
+          <a:chExt cx="0" cy="0"/>
+        </a:xfrm>
+      </p:grpSpPr>
+      <p:pic>
+        <p:nvPicPr>
+          <p:cNvPr id="5" name="图片 4">
+            <a:extLst>
+              <a:ext uri="{FF2B5EF4-FFF2-40B4-BE49-F238E27FC236}">
+                <a16:creationId xmlns:a16="http://schemas.microsoft.com/office/drawing/2014/main" id="{3B5B56E9-D0AD-47F6-8860-C8D30F3A1DC1}"/>
+              </a:ext>
+            </a:extLst>
+          </p:cNvPr>
+          <p:cNvPicPr>
+            <a:picLocks noChangeAspect="1"/>
+          </p:cNvPicPr>
+          <p:nvPr/>
+        </p:nvPicPr>
+        <p:blipFill>
+          <a:blip r:embed="rId2"/>
+          <a:stretch>
+            <a:fillRect/>
+          </a:stretch>
+        </p:blipFill>
+        <p:spPr>
+          <a:xfrm>
+            <a:off x="875152" y="1747848"/>
+            <a:ext cx="9839397" cy="4972086"/>
+          </a:xfrm>
+          <a:prstGeom prst="rect">
+            <a:avLst/>
+          </a:prstGeom>
+        </p:spPr>
+      </p:pic>
+      <p:sp>
+        <p:nvSpPr>
+          <p:cNvPr id="8" name="文本框 7">
+            <a:extLst>
+              <a:ext uri="{FF2B5EF4-FFF2-40B4-BE49-F238E27FC236}">
+                <a16:creationId xmlns:a16="http://schemas.microsoft.com/office/drawing/2014/main" id="{7B2FA85E-6C3F-4CDF-A89B-41D2321B0939}"/>
+              </a:ext>
+            </a:extLst>
+          </p:cNvPr>
+          <p:cNvSpPr txBox="1"/>
+          <p:nvPr/>
+        </p:nvSpPr>
+        <p:spPr>
+          <a:xfrm>
+            <a:off x="1133418" y="843219"/>
+            <a:ext cx="8196747" cy="861774"/>
+          </a:xfrm>
+          <a:prstGeom prst="rect">
+            <a:avLst/>
+          </a:prstGeom>
+          <a:noFill/>
+        </p:spPr>
+        <p:txBody>
+          <a:bodyPr wrap="square" rtlCol="0">
+            <a:spAutoFit/>
+          </a:bodyPr>
+          <a:lstStyle/>
+          <a:p>
+            <a:r>
+              <a:rPr lang="en-US" altLang="zh-CN" sz="5000" dirty="0"/>
+              <a:t>Simulation for register window</a:t>
+            </a:r>
+            <a:endParaRPr lang="zh-CN" altLang="en-US" sz="5000" dirty="0"/>
+          </a:p>
+        </p:txBody>
+      </p:sp>
+    </p:spTree>
+    <p:extLst>
+      <p:ext uri="{BB962C8B-B14F-4D97-AF65-F5344CB8AC3E}">
+        <p14:creationId xmlns:p14="http://schemas.microsoft.com/office/powerpoint/2010/main" val="504944552"/>
+      </p:ext>
+    </p:extLst>
+  </p:cSld>
+  <p:clrMapOvr>
+    <a:masterClrMapping/>
+  </p:clrMapOvr>
+</p:sld>
+</file>
+
+<file path=ppt/slides/slide12.xml><?xml version="1.0" encoding="utf-8"?>
+<p:sld xmlns:a="http://schemas.openxmlformats.org/drawingml/2006/main" xmlns:r="http://schemas.openxmlformats.org/officeDocument/2006/relationships" xmlns:p="http://schemas.openxmlformats.org/presentationml/2006/main">
+  <p:cSld>
+    <p:spTree>
+      <p:nvGrpSpPr>
+        <p:cNvPr id="1" name=""/>
+        <p:cNvGrpSpPr/>
+        <p:nvPr/>
+      </p:nvGrpSpPr>
+      <p:grpSpPr>
+        <a:xfrm>
+          <a:off x="0" y="0"/>
+          <a:ext cx="0" cy="0"/>
+          <a:chOff x="0" y="0"/>
+          <a:chExt cx="0" cy="0"/>
+        </a:xfrm>
+      </p:grpSpPr>
+      <p:pic>
+        <p:nvPicPr>
+          <p:cNvPr id="4" name="图片 3">
+            <a:extLst>
+              <a:ext uri="{FF2B5EF4-FFF2-40B4-BE49-F238E27FC236}">
+                <a16:creationId xmlns:a16="http://schemas.microsoft.com/office/drawing/2014/main" id="{6606494A-EBFB-476E-B1E8-8B1C8F3163DB}"/>
+              </a:ext>
+            </a:extLst>
+          </p:cNvPr>
+          <p:cNvPicPr>
+            <a:picLocks noChangeAspect="1"/>
+          </p:cNvPicPr>
+          <p:nvPr/>
+        </p:nvPicPr>
+        <p:blipFill>
+          <a:blip r:embed="rId2"/>
+          <a:stretch>
+            <a:fillRect/>
+          </a:stretch>
+        </p:blipFill>
+        <p:spPr>
+          <a:xfrm>
+            <a:off x="847774" y="2287126"/>
+            <a:ext cx="9839397" cy="4972086"/>
+          </a:xfrm>
+          <a:prstGeom prst="rect">
+            <a:avLst/>
+          </a:prstGeom>
+        </p:spPr>
+      </p:pic>
+      <p:sp>
+        <p:nvSpPr>
+          <p:cNvPr id="5" name="文本框 4">
+            <a:extLst>
+              <a:ext uri="{FF2B5EF4-FFF2-40B4-BE49-F238E27FC236}">
+                <a16:creationId xmlns:a16="http://schemas.microsoft.com/office/drawing/2014/main" id="{640F140E-1002-4258-890F-9A87E15EEA8D}"/>
+              </a:ext>
+            </a:extLst>
+          </p:cNvPr>
+          <p:cNvSpPr txBox="1"/>
+          <p:nvPr/>
+        </p:nvSpPr>
+        <p:spPr>
+          <a:xfrm>
+            <a:off x="1067713" y="848695"/>
+            <a:ext cx="8519798" cy="861774"/>
+          </a:xfrm>
+          <a:prstGeom prst="rect">
+            <a:avLst/>
+          </a:prstGeom>
+          <a:noFill/>
+        </p:spPr>
+        <p:txBody>
+          <a:bodyPr wrap="square" rtlCol="0">
+            <a:spAutoFit/>
+          </a:bodyPr>
+          <a:lstStyle/>
+          <a:p>
+            <a:r>
+              <a:rPr lang="en-US" altLang="zh-CN" sz="5000" dirty="0"/>
+              <a:t>Simulation for doctor number</a:t>
+            </a:r>
+            <a:endParaRPr lang="zh-CN" altLang="en-US" sz="5000" dirty="0"/>
+          </a:p>
+        </p:txBody>
+      </p:sp>
+    </p:spTree>
+    <p:extLst>
+      <p:ext uri="{BB962C8B-B14F-4D97-AF65-F5344CB8AC3E}">
+        <p14:creationId xmlns:p14="http://schemas.microsoft.com/office/powerpoint/2010/main" val="2361573109"/>
+      </p:ext>
+    </p:extLst>
+  </p:cSld>
+  <p:clrMapOvr>
+    <a:masterClrMapping/>
+  </p:clrMapOvr>
+</p:sld>
+</file>
+
+<file path=ppt/slides/slide13.xml><?xml version="1.0" encoding="utf-8"?>
+<p:sld xmlns:a="http://schemas.openxmlformats.org/drawingml/2006/main" xmlns:r="http://schemas.openxmlformats.org/officeDocument/2006/relationships" xmlns:p="http://schemas.openxmlformats.org/presentationml/2006/main">
+  <p:cSld>
+    <p:spTree>
+      <p:nvGrpSpPr>
+        <p:cNvPr id="1" name=""/>
+        <p:cNvGrpSpPr/>
+        <p:nvPr/>
+      </p:nvGrpSpPr>
+      <p:grpSpPr>
+        <a:xfrm>
+          <a:off x="0" y="0"/>
+          <a:ext cx="0" cy="0"/>
+          <a:chOff x="0" y="0"/>
+          <a:chExt cx="0" cy="0"/>
+        </a:xfrm>
+      </p:grpSpPr>
+      <p:pic>
+        <p:nvPicPr>
+          <p:cNvPr id="7" name="图片 6">
+            <a:extLst>
+              <a:ext uri="{FF2B5EF4-FFF2-40B4-BE49-F238E27FC236}">
+                <a16:creationId xmlns:a16="http://schemas.microsoft.com/office/drawing/2014/main" id="{7FBBE6DF-67AD-40A3-8715-4AC55311B7DE}"/>
+              </a:ext>
+            </a:extLst>
+          </p:cNvPr>
+          <p:cNvPicPr>
+            <a:picLocks noChangeAspect="1"/>
+          </p:cNvPicPr>
+          <p:nvPr/>
+        </p:nvPicPr>
+        <p:blipFill>
+          <a:blip r:embed="rId2"/>
+          <a:stretch>
+            <a:fillRect/>
+          </a:stretch>
+        </p:blipFill>
+        <p:spPr>
+          <a:xfrm>
+            <a:off x="1176301" y="1885914"/>
+            <a:ext cx="9839397" cy="4972086"/>
+          </a:xfrm>
+          <a:prstGeom prst="rect">
+            <a:avLst/>
+          </a:prstGeom>
+        </p:spPr>
+      </p:pic>
+      <p:sp>
+        <p:nvSpPr>
+          <p:cNvPr id="8" name="文本框 7">
+            <a:extLst>
+              <a:ext uri="{FF2B5EF4-FFF2-40B4-BE49-F238E27FC236}">
+                <a16:creationId xmlns:a16="http://schemas.microsoft.com/office/drawing/2014/main" id="{C296EC13-2AED-4788-AC41-7477E9AFCA85}"/>
+              </a:ext>
+            </a:extLst>
+          </p:cNvPr>
+          <p:cNvSpPr txBox="1"/>
+          <p:nvPr/>
+        </p:nvSpPr>
+        <p:spPr>
+          <a:xfrm>
+            <a:off x="1336009" y="777514"/>
+            <a:ext cx="10441681" cy="861774"/>
+          </a:xfrm>
+          <a:prstGeom prst="rect">
+            <a:avLst/>
+          </a:prstGeom>
+          <a:noFill/>
+        </p:spPr>
+        <p:txBody>
+          <a:bodyPr wrap="square" rtlCol="0">
+            <a:spAutoFit/>
+          </a:bodyPr>
+          <a:lstStyle/>
+          <a:p>
+            <a:r>
+              <a:rPr lang="en-US" altLang="zh-CN" sz="5000" dirty="0"/>
+              <a:t>Simulation for </a:t>
+            </a:r>
+            <a:r>
+              <a:rPr lang="en-US" altLang="zh-CN" sz="5000" dirty="0" err="1"/>
+              <a:t>medicin</a:t>
+            </a:r>
+            <a:r>
+              <a:rPr lang="en-US" altLang="zh-CN" sz="5000" dirty="0"/>
+              <a:t> payment window</a:t>
+            </a:r>
+            <a:endParaRPr lang="zh-CN" altLang="en-US" sz="5000" dirty="0"/>
+          </a:p>
+        </p:txBody>
+      </p:sp>
+    </p:spTree>
+    <p:extLst>
+      <p:ext uri="{BB962C8B-B14F-4D97-AF65-F5344CB8AC3E}">
+        <p14:creationId xmlns:p14="http://schemas.microsoft.com/office/powerpoint/2010/main" val="3051104943"/>
+      </p:ext>
+    </p:extLst>
+  </p:cSld>
+  <p:clrMapOvr>
+    <a:masterClrMapping/>
+  </p:clrMapOvr>
+</p:sld>
+</file>
+
+<file path=ppt/slides/slide14.xml><?xml version="1.0" encoding="utf-8"?>
+<p:sld xmlns:a="http://schemas.openxmlformats.org/drawingml/2006/main" xmlns:r="http://schemas.openxmlformats.org/officeDocument/2006/relationships" xmlns:p="http://schemas.openxmlformats.org/presentationml/2006/main">
+  <p:cSld>
+    <p:spTree>
+      <p:nvGrpSpPr>
+        <p:cNvPr id="1" name=""/>
+        <p:cNvGrpSpPr/>
+        <p:nvPr/>
+      </p:nvGrpSpPr>
+      <p:grpSpPr>
+        <a:xfrm>
+          <a:off x="0" y="0"/>
+          <a:ext cx="0" cy="0"/>
+          <a:chOff x="0" y="0"/>
+          <a:chExt cx="0" cy="0"/>
+        </a:xfrm>
+      </p:grpSpPr>
+      <p:pic>
+        <p:nvPicPr>
+          <p:cNvPr id="7" name="图片 6">
+            <a:extLst>
+              <a:ext uri="{FF2B5EF4-FFF2-40B4-BE49-F238E27FC236}">
+                <a16:creationId xmlns:a16="http://schemas.microsoft.com/office/drawing/2014/main" id="{6EAD1724-1529-4758-AC12-B2E641A3650A}"/>
+              </a:ext>
+            </a:extLst>
+          </p:cNvPr>
+          <p:cNvPicPr>
+            <a:picLocks noChangeAspect="1"/>
+          </p:cNvPicPr>
+          <p:nvPr/>
+        </p:nvPicPr>
+        <p:blipFill>
+          <a:blip r:embed="rId2"/>
+          <a:stretch>
+            <a:fillRect/>
+          </a:stretch>
+        </p:blipFill>
+        <p:spPr>
+          <a:xfrm>
+            <a:off x="1176301" y="2178252"/>
+            <a:ext cx="9839397" cy="4972086"/>
+          </a:xfrm>
+          <a:prstGeom prst="rect">
+            <a:avLst/>
+          </a:prstGeom>
+        </p:spPr>
+      </p:pic>
+      <p:sp>
+        <p:nvSpPr>
+          <p:cNvPr id="10" name="文本框 9">
+            <a:extLst>
+              <a:ext uri="{FF2B5EF4-FFF2-40B4-BE49-F238E27FC236}">
+                <a16:creationId xmlns:a16="http://schemas.microsoft.com/office/drawing/2014/main" id="{F8A5EE8C-8DEF-428E-9F52-32DB01BB27B5}"/>
+              </a:ext>
+            </a:extLst>
+          </p:cNvPr>
+          <p:cNvSpPr txBox="1"/>
+          <p:nvPr/>
+        </p:nvSpPr>
+        <p:spPr>
+          <a:xfrm>
+            <a:off x="1352436" y="706333"/>
+            <a:ext cx="10529289" cy="861774"/>
+          </a:xfrm>
+          <a:prstGeom prst="rect">
+            <a:avLst/>
+          </a:prstGeom>
+          <a:noFill/>
+        </p:spPr>
+        <p:txBody>
+          <a:bodyPr wrap="square" rtlCol="0">
+            <a:spAutoFit/>
+          </a:bodyPr>
+          <a:lstStyle/>
+          <a:p>
+            <a:r>
+              <a:rPr lang="en-US" altLang="zh-CN" sz="5000" dirty="0"/>
+              <a:t>Simulation for the hospitalized bed</a:t>
+            </a:r>
+            <a:endParaRPr lang="zh-CN" altLang="en-US" sz="5000" dirty="0"/>
+          </a:p>
+        </p:txBody>
+      </p:sp>
+    </p:spTree>
+    <p:extLst>
+      <p:ext uri="{BB962C8B-B14F-4D97-AF65-F5344CB8AC3E}">
+        <p14:creationId xmlns:p14="http://schemas.microsoft.com/office/powerpoint/2010/main" val="1224044417"/>
+      </p:ext>
+    </p:extLst>
+  </p:cSld>
+  <p:clrMapOvr>
+    <a:masterClrMapping/>
+  </p:clrMapOvr>
+</p:sld>
+</file>
+
+<file path=ppt/slides/slide15.xml><?xml version="1.0" encoding="utf-8"?>
+<p:sld xmlns:a="http://schemas.openxmlformats.org/drawingml/2006/main" xmlns:r="http://schemas.openxmlformats.org/officeDocument/2006/relationships" xmlns:p="http://schemas.openxmlformats.org/presentationml/2006/main">
+  <p:cSld>
+    <p:spTree>
+      <p:nvGrpSpPr>
+        <p:cNvPr id="1" name=""/>
+        <p:cNvGrpSpPr/>
+        <p:nvPr/>
+      </p:nvGrpSpPr>
+      <p:grpSpPr>
+        <a:xfrm>
+          <a:off x="0" y="0"/>
+          <a:ext cx="0" cy="0"/>
+          <a:chOff x="0" y="0"/>
+          <a:chExt cx="0" cy="0"/>
+        </a:xfrm>
+      </p:grpSpPr>
       <p:sp>
         <p:nvSpPr>
           <p:cNvPr id="2" name="标题 1">
@@ -20735,7 +21263,7 @@
 </p:sld>
 </file>
 
-<file path=ppt/slides/slide11.xml><?xml version="1.0" encoding="utf-8"?>
+<file path=ppt/slides/slide16.xml><?xml version="1.0" encoding="utf-8"?>
 <p:sld xmlns:a="http://schemas.openxmlformats.org/drawingml/2006/main" xmlns:r="http://schemas.openxmlformats.org/officeDocument/2006/relationships" xmlns:p="http://schemas.openxmlformats.org/presentationml/2006/main">
   <p:cSld>
     <p:spTree>
@@ -20848,7 +21376,136 @@
 </p:sld>
 </file>
 
-<file path=ppt/slides/slide12.xml><?xml version="1.0" encoding="utf-8"?>
+<file path=ppt/slides/slide17.xml><?xml version="1.0" encoding="utf-8"?>
+<p:sld xmlns:a="http://schemas.openxmlformats.org/drawingml/2006/main" xmlns:r="http://schemas.openxmlformats.org/officeDocument/2006/relationships" xmlns:p="http://schemas.openxmlformats.org/presentationml/2006/main">
+  <p:cSld>
+    <p:spTree>
+      <p:nvGrpSpPr>
+        <p:cNvPr id="1" name=""/>
+        <p:cNvGrpSpPr/>
+        <p:nvPr/>
+      </p:nvGrpSpPr>
+      <p:grpSpPr>
+        <a:xfrm>
+          <a:off x="0" y="0"/>
+          <a:ext cx="0" cy="0"/>
+          <a:chOff x="0" y="0"/>
+          <a:chExt cx="0" cy="0"/>
+        </a:xfrm>
+      </p:grpSpPr>
+      <p:pic>
+        <p:nvPicPr>
+          <p:cNvPr id="5" name="内容占位符 4">
+            <a:extLst>
+              <a:ext uri="{FF2B5EF4-FFF2-40B4-BE49-F238E27FC236}">
+                <a16:creationId xmlns:a16="http://schemas.microsoft.com/office/drawing/2014/main" id="{3387B37B-2E20-4386-90DB-A1E91141CF44}"/>
+              </a:ext>
+            </a:extLst>
+          </p:cNvPr>
+          <p:cNvPicPr>
+            <a:picLocks noGrp="1" noChangeAspect="1"/>
+          </p:cNvPicPr>
+          <p:nvPr>
+            <p:ph idx="1"/>
+          </p:nvPr>
+        </p:nvPicPr>
+        <p:blipFill>
+          <a:blip r:embed="rId2"/>
+          <a:stretch>
+            <a:fillRect/>
+          </a:stretch>
+        </p:blipFill>
+        <p:spPr>
+          <a:xfrm>
+            <a:off x="177439" y="3254491"/>
+            <a:ext cx="12174551" cy="3018293"/>
+          </a:xfrm>
+        </p:spPr>
+      </p:pic>
+      <p:pic>
+        <p:nvPicPr>
+          <p:cNvPr id="7" name="图片 6">
+            <a:extLst>
+              <a:ext uri="{FF2B5EF4-FFF2-40B4-BE49-F238E27FC236}">
+                <a16:creationId xmlns:a16="http://schemas.microsoft.com/office/drawing/2014/main" id="{DC355F8E-3A09-459E-AECD-76F292E05C94}"/>
+              </a:ext>
+            </a:extLst>
+          </p:cNvPr>
+          <p:cNvPicPr>
+            <a:picLocks noChangeAspect="1"/>
+          </p:cNvPicPr>
+          <p:nvPr/>
+        </p:nvPicPr>
+        <p:blipFill>
+          <a:blip r:embed="rId3"/>
+          <a:stretch>
+            <a:fillRect/>
+          </a:stretch>
+        </p:blipFill>
+        <p:spPr>
+          <a:xfrm>
+            <a:off x="168715" y="4131836"/>
+            <a:ext cx="12192000" cy="1398367"/>
+          </a:xfrm>
+          <a:prstGeom prst="rect">
+            <a:avLst/>
+          </a:prstGeom>
+        </p:spPr>
+      </p:pic>
+      <p:sp>
+        <p:nvSpPr>
+          <p:cNvPr id="10" name="文本框 9">
+            <a:extLst>
+              <a:ext uri="{FF2B5EF4-FFF2-40B4-BE49-F238E27FC236}">
+                <a16:creationId xmlns:a16="http://schemas.microsoft.com/office/drawing/2014/main" id="{FF8BC85F-331B-4053-8667-2AD72BFCAC48}"/>
+              </a:ext>
+            </a:extLst>
+          </p:cNvPr>
+          <p:cNvSpPr txBox="1"/>
+          <p:nvPr/>
+        </p:nvSpPr>
+        <p:spPr>
+          <a:xfrm>
+            <a:off x="1341485" y="1002007"/>
+            <a:ext cx="3717830" cy="1631216"/>
+          </a:xfrm>
+          <a:prstGeom prst="rect">
+            <a:avLst/>
+          </a:prstGeom>
+          <a:noFill/>
+        </p:spPr>
+        <p:txBody>
+          <a:bodyPr wrap="square" rtlCol="0">
+            <a:spAutoFit/>
+          </a:bodyPr>
+          <a:lstStyle/>
+          <a:p>
+            <a:r>
+              <a:rPr lang="en-US" altLang="zh-CN" sz="5000" dirty="0"/>
+              <a:t>Final data </a:t>
+            </a:r>
+            <a:r>
+              <a:rPr lang="en-US" altLang="zh-CN" sz="5000" dirty="0" err="1"/>
+              <a:t>analyse</a:t>
+            </a:r>
+            <a:endParaRPr lang="zh-CN" altLang="en-US" sz="5000" dirty="0"/>
+          </a:p>
+        </p:txBody>
+      </p:sp>
+    </p:spTree>
+    <p:extLst>
+      <p:ext uri="{BB962C8B-B14F-4D97-AF65-F5344CB8AC3E}">
+        <p14:creationId xmlns:p14="http://schemas.microsoft.com/office/powerpoint/2010/main" val="3864319999"/>
+      </p:ext>
+    </p:extLst>
+  </p:cSld>
+  <p:clrMapOvr>
+    <a:masterClrMapping/>
+  </p:clrMapOvr>
+</p:sld>
+</file>
+
+<file path=ppt/slides/slide18.xml><?xml version="1.0" encoding="utf-8"?>
 <p:sld xmlns:a="http://schemas.openxmlformats.org/drawingml/2006/main" xmlns:r="http://schemas.openxmlformats.org/officeDocument/2006/relationships" xmlns:p="http://schemas.openxmlformats.org/presentationml/2006/main">
   <p:cSld>
     <p:spTree>
@@ -21365,12 +22022,12 @@
                     <a:p>
                       <a:pPr algn="l" fontAlgn="ctr"/>
                       <a:r>
-                        <a:rPr lang="en-US" sz="700" u="none" strike="noStrike">
+                        <a:rPr lang="en-US" sz="700" u="none" strike="noStrike" dirty="0">
                           <a:effectLst/>
                         </a:rPr>
                         <a:t>Document subject</a:t>
                       </a:r>
-                      <a:endParaRPr lang="en-US" sz="700" b="0" i="0" u="none" strike="noStrike">
+                      <a:endParaRPr lang="en-US" sz="700" b="0" i="0" u="none" strike="noStrike" dirty="0">
                         <a:solidFill>
                           <a:srgbClr val="000000"/>
                         </a:solidFill>
